--- a/Workshop_Slides/Eagle CAD/Eagle CAD Workshop (3).pptx
+++ b/Workshop_Slides/Eagle CAD/Eagle CAD Workshop (3).pptx
@@ -11,9 +11,6 @@
     <p:sldId id="259" r:id="rId5"/>
     <p:sldId id="260" r:id="rId6"/>
     <p:sldId id="261" r:id="rId7"/>
-    <p:sldId id="262" r:id="rId8"/>
-    <p:sldId id="263" r:id="rId9"/>
-    <p:sldId id="264" r:id="rId10"/>
   </p:sldIdLst>
   <p:sldSz cx="9144000" cy="6858000" type="screen4x3"/>
   <p:notesSz cx="6858000" cy="9144000"/>
@@ -322,7 +319,7 @@
           <a:p>
             <a:fld id="{B3B53DAC-3A6D-4270-B5CE-9B660B940AF3}" type="datetimeFigureOut">
               <a:rPr lang="en-US" smtClean="0"/>
-              <a:t>9/3/2017</a:t>
+              <a:t>9/23/2017</a:t>
             </a:fld>
             <a:endParaRPr lang="en-US"/>
           </a:p>
@@ -516,7 +513,7 @@
           <a:p>
             <a:fld id="{B3B53DAC-3A6D-4270-B5CE-9B660B940AF3}" type="datetimeFigureOut">
               <a:rPr lang="en-US" smtClean="0"/>
-              <a:t>9/3/2017</a:t>
+              <a:t>9/23/2017</a:t>
             </a:fld>
             <a:endParaRPr lang="en-US"/>
           </a:p>
@@ -704,7 +701,7 @@
           <a:p>
             <a:fld id="{B3B53DAC-3A6D-4270-B5CE-9B660B940AF3}" type="datetimeFigureOut">
               <a:rPr lang="en-US" smtClean="0"/>
-              <a:t>9/3/2017</a:t>
+              <a:t>9/23/2017</a:t>
             </a:fld>
             <a:endParaRPr lang="en-US"/>
           </a:p>
@@ -933,7 +930,7 @@
           <a:p>
             <a:fld id="{B3B53DAC-3A6D-4270-B5CE-9B660B940AF3}" type="datetimeFigureOut">
               <a:rPr lang="en-US" smtClean="0"/>
-              <a:t>9/3/2017</a:t>
+              <a:t>9/23/2017</a:t>
             </a:fld>
             <a:endParaRPr lang="en-US"/>
           </a:p>
@@ -1214,7 +1211,7 @@
           <a:p>
             <a:fld id="{B3B53DAC-3A6D-4270-B5CE-9B660B940AF3}" type="datetimeFigureOut">
               <a:rPr lang="en-US" smtClean="0"/>
-              <a:t>9/3/2017</a:t>
+              <a:t>9/23/2017</a:t>
             </a:fld>
             <a:endParaRPr lang="en-US"/>
           </a:p>
@@ -1502,7 +1499,7 @@
           <a:p>
             <a:fld id="{B3B53DAC-3A6D-4270-B5CE-9B660B940AF3}" type="datetimeFigureOut">
               <a:rPr lang="en-US" smtClean="0"/>
-              <a:t>9/3/2017</a:t>
+              <a:t>9/23/2017</a:t>
             </a:fld>
             <a:endParaRPr lang="en-US"/>
           </a:p>
@@ -2056,7 +2053,7 @@
           <a:p>
             <a:fld id="{B3B53DAC-3A6D-4270-B5CE-9B660B940AF3}" type="datetimeFigureOut">
               <a:rPr lang="en-US" smtClean="0"/>
-              <a:t>9/3/2017</a:t>
+              <a:t>9/23/2017</a:t>
             </a:fld>
             <a:endParaRPr lang="en-US"/>
           </a:p>
@@ -2187,7 +2184,7 @@
           <a:p>
             <a:fld id="{B3B53DAC-3A6D-4270-B5CE-9B660B940AF3}" type="datetimeFigureOut">
               <a:rPr lang="en-US" smtClean="0"/>
-              <a:t>9/3/2017</a:t>
+              <a:t>9/23/2017</a:t>
             </a:fld>
             <a:endParaRPr lang="en-US"/>
           </a:p>
@@ -2337,7 +2334,7 @@
           <a:p>
             <a:fld id="{B3B53DAC-3A6D-4270-B5CE-9B660B940AF3}" type="datetimeFigureOut">
               <a:rPr lang="en-US" smtClean="0"/>
-              <a:t>9/3/2017</a:t>
+              <a:t>9/23/2017</a:t>
             </a:fld>
             <a:endParaRPr lang="en-US"/>
           </a:p>
@@ -2658,7 +2655,7 @@
           <a:p>
             <a:fld id="{B3B53DAC-3A6D-4270-B5CE-9B660B940AF3}" type="datetimeFigureOut">
               <a:rPr lang="en-US" smtClean="0"/>
-              <a:t>9/3/2017</a:t>
+              <a:t>9/23/2017</a:t>
             </a:fld>
             <a:endParaRPr lang="en-US"/>
           </a:p>
@@ -2955,7 +2952,7 @@
           <a:p>
             <a:fld id="{B3B53DAC-3A6D-4270-B5CE-9B660B940AF3}" type="datetimeFigureOut">
               <a:rPr lang="en-US" smtClean="0"/>
-              <a:t>9/3/2017</a:t>
+              <a:t>9/23/2017</a:t>
             </a:fld>
             <a:endParaRPr lang="en-US"/>
           </a:p>
@@ -3200,7 +3197,7 @@
           <a:p>
             <a:fld id="{B3B53DAC-3A6D-4270-B5CE-9B660B940AF3}" type="datetimeFigureOut">
               <a:rPr lang="en-US" smtClean="0"/>
-              <a:t>9/3/2017</a:t>
+              <a:t>9/23/2017</a:t>
             </a:fld>
             <a:endParaRPr lang="en-US"/>
           </a:p>
@@ -3705,10 +3702,14 @@
           <a:p>
             <a:r>
               <a:rPr lang="en-US" dirty="0" smtClean="0"/>
-              <a:t>Eagle CAD Workshop </a:t>
-            </a:r>
-            <a:r>
-              <a:rPr lang="en-US" dirty="0" smtClean="0"/>
+              <a:t>Eagle CAD </a:t>
+            </a:r>
+            <a:r>
+              <a:rPr lang="en-US" smtClean="0"/>
+              <a:t>Workshop </a:t>
+            </a:r>
+            <a:r>
+              <a:rPr lang="en-US" smtClean="0"/>
               <a:t>(3)</a:t>
             </a:r>
             <a:endParaRPr lang="en-US" dirty="0"/>
@@ -3732,11 +3733,7 @@
           <a:p>
             <a:r>
               <a:rPr lang="en-US" dirty="0" smtClean="0"/>
-              <a:t>How to Read: </a:t>
-            </a:r>
-            <a:r>
-              <a:rPr lang="en-US" dirty="0" smtClean="0"/>
-              <a:t>Transistors</a:t>
+              <a:t>How to Read: Diodes</a:t>
             </a:r>
             <a:endParaRPr lang="en-US" dirty="0"/>
           </a:p>
@@ -3796,7 +3793,7 @@
           <a:p>
             <a:r>
               <a:rPr lang="en-US" dirty="0" smtClean="0"/>
-              <a:t>Two Major Types</a:t>
+              <a:t>Diodes</a:t>
             </a:r>
             <a:endParaRPr lang="en-US" dirty="0"/>
           </a:p>
@@ -3814,82 +3811,31 @@
         </p:nvSpPr>
         <p:spPr/>
         <p:txBody>
-          <a:bodyPr>
-            <a:normAutofit lnSpcReduction="10000"/>
-          </a:bodyPr>
+          <a:bodyPr/>
           <a:lstStyle/>
           <a:p>
             <a:r>
               <a:rPr lang="en-US" dirty="0" smtClean="0"/>
-              <a:t>By now we should know both of them</a:t>
-            </a:r>
-          </a:p>
-          <a:p>
-            <a:pPr lvl="1"/>
+              <a:t>General Purpose</a:t>
+            </a:r>
+          </a:p>
+          <a:p>
             <a:r>
               <a:rPr lang="en-US" dirty="0" smtClean="0"/>
-              <a:t>BJT (Bi-Polar Junction Transistor)</a:t>
-            </a:r>
-          </a:p>
-          <a:p>
-            <a:pPr lvl="1"/>
+              <a:t>LED</a:t>
+            </a:r>
+          </a:p>
+          <a:p>
+            <a:r>
+              <a:rPr lang="en-US" dirty="0" err="1" smtClean="0"/>
+              <a:t>Schottky</a:t>
+            </a:r>
+            <a:endParaRPr lang="en-US" dirty="0" smtClean="0"/>
+          </a:p>
+          <a:p>
             <a:r>
               <a:rPr lang="en-US" dirty="0" smtClean="0"/>
-              <a:t>FET (Field Effect Transistor)</a:t>
-            </a:r>
-          </a:p>
-          <a:p>
-            <a:r>
-              <a:rPr lang="en-US" dirty="0" smtClean="0"/>
-              <a:t>Also, two major topologies</a:t>
-            </a:r>
-          </a:p>
-          <a:p>
-            <a:pPr lvl="1"/>
-            <a:r>
-              <a:rPr lang="en-US" dirty="0" smtClean="0"/>
-              <a:t>NPN (N-Channel for FET)</a:t>
-            </a:r>
-          </a:p>
-          <a:p>
-            <a:pPr lvl="2"/>
-            <a:r>
-              <a:rPr lang="en-US" dirty="0" smtClean="0"/>
-              <a:t>BJT: Arrow pointing out</a:t>
-            </a:r>
-          </a:p>
-          <a:p>
-            <a:pPr lvl="2"/>
-            <a:r>
-              <a:rPr lang="en-US" dirty="0" smtClean="0"/>
-              <a:t>FET: Arrow pointing in</a:t>
-            </a:r>
-          </a:p>
-          <a:p>
-            <a:pPr lvl="1"/>
-            <a:r>
-              <a:rPr lang="en-US" dirty="0" smtClean="0"/>
-              <a:t>PNP (P-Channel for FET)</a:t>
-            </a:r>
-          </a:p>
-          <a:p>
-            <a:pPr lvl="2"/>
-            <a:r>
-              <a:rPr lang="en-US" dirty="0" smtClean="0"/>
-              <a:t>BJT: Arrow pointing in</a:t>
-            </a:r>
-          </a:p>
-          <a:p>
-            <a:pPr lvl="2"/>
-            <a:r>
-              <a:rPr lang="en-US" dirty="0" smtClean="0"/>
-              <a:t>FET: Arrow pointing out</a:t>
-            </a:r>
-          </a:p>
-          <a:p>
-            <a:r>
-              <a:rPr lang="en-US" dirty="0" smtClean="0"/>
-              <a:t>For simplicity, we will only look at NPN</a:t>
+              <a:t>Zener</a:t>
             </a:r>
             <a:endParaRPr lang="en-US" dirty="0"/>
           </a:p>
@@ -3898,7 +3844,7 @@
     </p:spTree>
     <p:extLst>
       <p:ext uri="{BB962C8B-B14F-4D97-AF65-F5344CB8AC3E}">
-        <p14:creationId xmlns:p14="http://schemas.microsoft.com/office/powerpoint/2010/main" val="2899834661"/>
+        <p14:creationId xmlns:p14="http://schemas.microsoft.com/office/powerpoint/2010/main" val="3961479155"/>
       </p:ext>
     </p:extLst>
   </p:cSld>
@@ -3942,7 +3888,7 @@
           <a:p>
             <a:r>
               <a:rPr lang="en-US" dirty="0" smtClean="0"/>
-              <a:t>NPN BJT</a:t>
+              <a:t>Common Specs</a:t>
             </a:r>
             <a:endParaRPr lang="en-US" dirty="0"/>
           </a:p>
@@ -3965,41 +3911,49 @@
           <a:p>
             <a:r>
               <a:rPr lang="en-US" dirty="0" smtClean="0"/>
-              <a:t>Current Operated</a:t>
+              <a:t>Forward Voltage</a:t>
             </a:r>
           </a:p>
           <a:p>
             <a:pPr lvl="1"/>
             <a:r>
               <a:rPr lang="en-US" dirty="0" smtClean="0"/>
-              <a:t>Enough CURRENT needed to operate</a:t>
-            </a:r>
-          </a:p>
-          <a:p>
+              <a:t>Voltage required for electrons to go through</a:t>
+            </a:r>
+          </a:p>
+          <a:p>
+            <a:pPr lvl="1"/>
             <a:r>
               <a:rPr lang="en-US" dirty="0" smtClean="0"/>
-              <a:t>Three pin-outs</a:t>
+              <a:t>Paired with forward current</a:t>
             </a:r>
           </a:p>
           <a:p>
             <a:pPr lvl="1"/>
             <a:r>
               <a:rPr lang="en-US" dirty="0" smtClean="0"/>
-              <a:t>Base: Signal pin to open/close connection between Collector and Emitter</a:t>
+              <a:t>500mV @ 4A</a:t>
+            </a:r>
+          </a:p>
+          <a:p>
+            <a:pPr lvl="2"/>
+            <a:r>
+              <a:rPr lang="en-US" dirty="0" smtClean="0"/>
+              <a:t>Means we need at least 500mV (0.5V) to pass 4A</a:t>
             </a:r>
           </a:p>
           <a:p>
             <a:pPr lvl="1"/>
             <a:r>
               <a:rPr lang="en-US" dirty="0" smtClean="0"/>
-              <a:t>Collector: ‘Positive’ side</a:t>
-            </a:r>
-          </a:p>
-          <a:p>
-            <a:pPr lvl="1"/>
+              <a:t>Expect voltage drop!</a:t>
+            </a:r>
+          </a:p>
+          <a:p>
+            <a:pPr lvl="2"/>
             <a:r>
               <a:rPr lang="en-US" dirty="0" smtClean="0"/>
-              <a:t>Emitter: ‘Negative’ side</a:t>
+              <a:t>5V 4A -&gt; 4.5V @ 4A</a:t>
             </a:r>
           </a:p>
           <a:p>
@@ -4011,7 +3965,7 @@
     </p:spTree>
     <p:extLst>
       <p:ext uri="{BB962C8B-B14F-4D97-AF65-F5344CB8AC3E}">
-        <p14:creationId xmlns:p14="http://schemas.microsoft.com/office/powerpoint/2010/main" val="2568999658"/>
+        <p14:creationId xmlns:p14="http://schemas.microsoft.com/office/powerpoint/2010/main" val="4277966490"/>
       </p:ext>
     </p:extLst>
   </p:cSld>
@@ -4055,7 +4009,15 @@
           <a:p>
             <a:r>
               <a:rPr lang="en-US" dirty="0" smtClean="0"/>
-              <a:t>BJT Transistor Specifications</a:t>
+              <a:t>Common Specs (</a:t>
+            </a:r>
+            <a:r>
+              <a:rPr lang="en-US" dirty="0" err="1" smtClean="0"/>
+              <a:t>Cont</a:t>
+            </a:r>
+            <a:r>
+              <a:rPr lang="en-US" dirty="0" smtClean="0"/>
+              <a:t>).</a:t>
             </a:r>
             <a:endParaRPr lang="en-US" dirty="0"/>
           </a:p>
@@ -4073,134 +4035,40 @@
         </p:nvSpPr>
         <p:spPr/>
         <p:txBody>
-          <a:bodyPr>
-            <a:normAutofit fontScale="85000" lnSpcReduction="20000"/>
-          </a:bodyPr>
+          <a:bodyPr/>
           <a:lstStyle/>
           <a:p>
             <a:r>
               <a:rPr lang="en-US" dirty="0" smtClean="0"/>
-              <a:t>V</a:t>
-            </a:r>
-            <a:r>
-              <a:rPr lang="en-US" sz="1200" dirty="0" smtClean="0"/>
-              <a:t>CBO </a:t>
-            </a:r>
+              <a:t>Reverse Leakage</a:t>
+            </a:r>
+          </a:p>
+          <a:p>
+            <a:pPr lvl="1"/>
             <a:r>
               <a:rPr lang="en-US" dirty="0" smtClean="0"/>
-              <a:t>= Collector-Base Voltage</a:t>
+              <a:t>Amount of current leaking when backward voltage is applied</a:t>
             </a:r>
           </a:p>
           <a:p>
             <a:pPr lvl="1"/>
             <a:r>
               <a:rPr lang="en-US" dirty="0" smtClean="0"/>
-              <a:t>Maximum voltage between Collector and Base pin</a:t>
-            </a:r>
-          </a:p>
-          <a:p>
+              <a:t>Paired with reverse voltage</a:t>
+            </a:r>
+          </a:p>
+          <a:p>
+            <a:pPr lvl="1"/>
             <a:r>
               <a:rPr lang="en-US" dirty="0" smtClean="0"/>
-              <a:t>V</a:t>
-            </a:r>
-            <a:r>
-              <a:rPr lang="en-US" sz="1200" dirty="0" smtClean="0"/>
-              <a:t>CEO</a:t>
-            </a:r>
+              <a:t>6nA @ 6.1V</a:t>
+            </a:r>
+          </a:p>
+          <a:p>
+            <a:pPr lvl="2"/>
             <a:r>
               <a:rPr lang="en-US" dirty="0" smtClean="0"/>
-              <a:t> = Collector-Emitter Voltage</a:t>
-            </a:r>
-          </a:p>
-          <a:p>
-            <a:pPr lvl="1"/>
-            <a:r>
-              <a:rPr lang="en-US" dirty="0" smtClean="0"/>
-              <a:t>Maximum voltage between Collector and Emitter pin</a:t>
-            </a:r>
-          </a:p>
-          <a:p>
-            <a:r>
-              <a:rPr lang="en-US" dirty="0" smtClean="0"/>
-              <a:t>V</a:t>
-            </a:r>
-            <a:r>
-              <a:rPr lang="en-US" sz="1200" dirty="0" smtClean="0"/>
-              <a:t>EBO</a:t>
-            </a:r>
-            <a:r>
-              <a:rPr lang="en-US" dirty="0" smtClean="0"/>
-              <a:t> = Emitter-Base Voltage</a:t>
-            </a:r>
-          </a:p>
-          <a:p>
-            <a:pPr lvl="1"/>
-            <a:r>
-              <a:rPr lang="en-US" dirty="0" smtClean="0"/>
-              <a:t>Maximum voltage between Emitter and Base pin</a:t>
-            </a:r>
-          </a:p>
-          <a:p>
-            <a:r>
-              <a:rPr lang="en-US" dirty="0" smtClean="0"/>
-              <a:t>I</a:t>
-            </a:r>
-            <a:r>
-              <a:rPr lang="en-US" sz="1200" dirty="0" smtClean="0"/>
-              <a:t>CEX</a:t>
-            </a:r>
-            <a:r>
-              <a:rPr lang="en-US" dirty="0" smtClean="0"/>
-              <a:t> = Collector Cut-off Current</a:t>
-            </a:r>
-          </a:p>
-          <a:p>
-            <a:pPr lvl="1"/>
-            <a:r>
-              <a:rPr lang="en-US" dirty="0" smtClean="0"/>
-              <a:t>Maximum current at which Collector cuts-off electrical flow</a:t>
-            </a:r>
-          </a:p>
-          <a:p>
-            <a:r>
-              <a:rPr lang="en-US" dirty="0" smtClean="0"/>
-              <a:t>I</a:t>
-            </a:r>
-            <a:r>
-              <a:rPr lang="en-US" sz="1200" dirty="0" smtClean="0"/>
-              <a:t>BEX</a:t>
-            </a:r>
-            <a:r>
-              <a:rPr lang="en-US" dirty="0" smtClean="0"/>
-              <a:t> = Base Cut-off Current</a:t>
-            </a:r>
-          </a:p>
-          <a:p>
-            <a:pPr lvl="1"/>
-            <a:r>
-              <a:rPr lang="en-US" dirty="0" smtClean="0"/>
-              <a:t>Maximum current at which Base cuts-off electrical flow</a:t>
-            </a:r>
-          </a:p>
-          <a:p>
-            <a:r>
-              <a:rPr lang="en-US" dirty="0" smtClean="0"/>
-              <a:t>I</a:t>
-            </a:r>
-            <a:r>
-              <a:rPr lang="en-US" sz="1400" dirty="0" smtClean="0"/>
-              <a:t>C</a:t>
-            </a:r>
-            <a:r>
-              <a:rPr lang="en-US" dirty="0" smtClean="0"/>
-              <a:t> = Collector Current</a:t>
-            </a:r>
-          </a:p>
-          <a:p>
-            <a:pPr lvl="1"/>
-            <a:r>
-              <a:rPr lang="en-US" dirty="0" smtClean="0"/>
-              <a:t>Maximum current collector can allow to flow</a:t>
+              <a:t>Means 6nA will reserve through diode when 6.1V is applied.</a:t>
             </a:r>
             <a:endParaRPr lang="en-US" dirty="0"/>
           </a:p>
@@ -4209,7 +4077,7 @@
     </p:spTree>
     <p:extLst>
       <p:ext uri="{BB962C8B-B14F-4D97-AF65-F5344CB8AC3E}">
-        <p14:creationId xmlns:p14="http://schemas.microsoft.com/office/powerpoint/2010/main" val="2816572588"/>
+        <p14:creationId xmlns:p14="http://schemas.microsoft.com/office/powerpoint/2010/main" val="953181610"/>
       </p:ext>
     </p:extLst>
   </p:cSld>
@@ -4252,8 +4120,12 @@
           <a:lstStyle/>
           <a:p>
             <a:r>
+              <a:rPr lang="en-US" dirty="0" err="1" smtClean="0"/>
+              <a:t>Schottky</a:t>
+            </a:r>
+            <a:r>
               <a:rPr lang="en-US" dirty="0" smtClean="0"/>
-              <a:t>2N3904 Signal NPN Transistor</a:t>
+              <a:t> Diode</a:t>
             </a:r>
             <a:endParaRPr lang="en-US" dirty="0"/>
           </a:p>
@@ -4271,120 +4143,48 @@
         </p:nvSpPr>
         <p:spPr/>
         <p:txBody>
-          <a:bodyPr>
-            <a:normAutofit/>
-          </a:bodyPr>
+          <a:bodyPr/>
           <a:lstStyle/>
           <a:p>
             <a:r>
-              <a:rPr lang="en-US" dirty="0"/>
-              <a:t>V</a:t>
-            </a:r>
-            <a:r>
-              <a:rPr lang="en-US" sz="1200" dirty="0"/>
-              <a:t>CBO </a:t>
-            </a:r>
-            <a:r>
-              <a:rPr lang="en-US" dirty="0"/>
-              <a:t>= </a:t>
-            </a:r>
-            <a:r>
               <a:rPr lang="en-US" dirty="0" smtClean="0"/>
-              <a:t>60V</a:t>
-            </a:r>
-          </a:p>
-          <a:p>
+              <a:t>Fast recovery time</a:t>
+            </a:r>
+          </a:p>
+          <a:p>
+            <a:pPr lvl="1"/>
             <a:r>
               <a:rPr lang="en-US" dirty="0" smtClean="0"/>
-              <a:t>V</a:t>
-            </a:r>
-            <a:r>
-              <a:rPr lang="en-US" sz="1200" dirty="0" smtClean="0"/>
-              <a:t>CEO</a:t>
+              <a:t>Means diode will take less time to drain out electrons sitting </a:t>
+            </a:r>
+            <a:r>
+              <a:rPr lang="en-US" dirty="0" err="1" smtClean="0"/>
+              <a:t>inbetween</a:t>
             </a:r>
             <a:r>
               <a:rPr lang="en-US" dirty="0" smtClean="0"/>
-              <a:t> </a:t>
-            </a:r>
-            <a:r>
-              <a:rPr lang="en-US" dirty="0"/>
-              <a:t>= </a:t>
-            </a:r>
+              <a:t> diode</a:t>
+            </a:r>
+          </a:p>
+          <a:p>
             <a:r>
               <a:rPr lang="en-US" dirty="0" smtClean="0"/>
-              <a:t>40V</a:t>
-            </a:r>
-          </a:p>
-          <a:p>
+              <a:t>Small forward voltage</a:t>
+            </a:r>
+          </a:p>
+          <a:p>
+            <a:pPr lvl="1"/>
             <a:r>
               <a:rPr lang="en-US" dirty="0" smtClean="0"/>
-              <a:t>V</a:t>
-            </a:r>
-            <a:r>
-              <a:rPr lang="en-US" sz="1200" dirty="0" smtClean="0"/>
-              <a:t>EBO</a:t>
+              <a:t>Ideal for high-efficiency circuit (</a:t>
+            </a:r>
+            <a:r>
+              <a:rPr lang="en-US" dirty="0" err="1" smtClean="0"/>
+              <a:t>ie</a:t>
             </a:r>
             <a:r>
               <a:rPr lang="en-US" dirty="0" smtClean="0"/>
-              <a:t> </a:t>
-            </a:r>
-            <a:r>
-              <a:rPr lang="en-US" dirty="0"/>
-              <a:t>= </a:t>
-            </a:r>
-            <a:r>
-              <a:rPr lang="en-US" dirty="0" smtClean="0"/>
-              <a:t>6V</a:t>
-            </a:r>
-          </a:p>
-          <a:p>
-            <a:r>
-              <a:rPr lang="en-US" dirty="0" smtClean="0"/>
-              <a:t>I</a:t>
-            </a:r>
-            <a:r>
-              <a:rPr lang="en-US" sz="1200" dirty="0" smtClean="0"/>
-              <a:t>CEX</a:t>
-            </a:r>
-            <a:r>
-              <a:rPr lang="en-US" dirty="0" smtClean="0"/>
-              <a:t> </a:t>
-            </a:r>
-            <a:r>
-              <a:rPr lang="en-US" dirty="0"/>
-              <a:t>= </a:t>
-            </a:r>
-            <a:r>
-              <a:rPr lang="en-US" dirty="0" smtClean="0"/>
-              <a:t>50nA</a:t>
-            </a:r>
-          </a:p>
-          <a:p>
-            <a:r>
-              <a:rPr lang="en-US" dirty="0" smtClean="0"/>
-              <a:t>I</a:t>
-            </a:r>
-            <a:r>
-              <a:rPr lang="en-US" sz="1200" dirty="0" smtClean="0"/>
-              <a:t>BEX</a:t>
-            </a:r>
-            <a:r>
-              <a:rPr lang="en-US" dirty="0" smtClean="0"/>
-              <a:t> =50nA</a:t>
-            </a:r>
-          </a:p>
-          <a:p>
-            <a:r>
-              <a:rPr lang="en-US" dirty="0" smtClean="0"/>
-              <a:t>I</a:t>
-            </a:r>
-            <a:r>
-              <a:rPr lang="en-US" sz="1200" dirty="0" smtClean="0"/>
-              <a:t>C</a:t>
-            </a:r>
-            <a:r>
-              <a:rPr lang="en-US" dirty="0" smtClean="0"/>
-              <a:t> = 200mA</a:t>
+              <a:t>. Solar Cells)</a:t>
             </a:r>
             <a:endParaRPr lang="en-US" dirty="0"/>
           </a:p>
@@ -4393,7 +4193,7 @@
     </p:spTree>
     <p:extLst>
       <p:ext uri="{BB962C8B-B14F-4D97-AF65-F5344CB8AC3E}">
-        <p14:creationId xmlns:p14="http://schemas.microsoft.com/office/powerpoint/2010/main" val="1214893418"/>
+        <p14:creationId xmlns:p14="http://schemas.microsoft.com/office/powerpoint/2010/main" val="3657732175"/>
       </p:ext>
     </p:extLst>
   </p:cSld>
@@ -4437,7 +4237,7 @@
           <a:p>
             <a:r>
               <a:rPr lang="en-US" dirty="0" smtClean="0"/>
-              <a:t>N-Channel MOSFET</a:t>
+              <a:t>Zener Diodes</a:t>
             </a:r>
             <a:endParaRPr lang="en-US" dirty="0"/>
           </a:p>
@@ -4460,41 +4260,33 @@
           <a:p>
             <a:r>
               <a:rPr lang="en-US" dirty="0" smtClean="0"/>
-              <a:t>Voltage Operated</a:t>
+              <a:t>Usually used as intentional reverse current conductor</a:t>
+            </a:r>
+          </a:p>
+          <a:p>
+            <a:r>
+              <a:rPr lang="en-US" dirty="0" smtClean="0"/>
+              <a:t>Has very precise breakdown voltage</a:t>
             </a:r>
           </a:p>
           <a:p>
             <a:pPr lvl="1"/>
             <a:r>
               <a:rPr lang="en-US" dirty="0" smtClean="0"/>
-              <a:t>Enough VOLTAGE needed to operate</a:t>
-            </a:r>
-          </a:p>
-          <a:p>
+              <a:t>Reverse Voltage</a:t>
+            </a:r>
+          </a:p>
+          <a:p>
+            <a:pPr lvl="1"/>
             <a:r>
               <a:rPr lang="en-US" dirty="0" smtClean="0"/>
-              <a:t>Three pin-outs</a:t>
-            </a:r>
-          </a:p>
-          <a:p>
-            <a:pPr lvl="1"/>
+              <a:t>For Zener diodes, its called Zener Voltage</a:t>
+            </a:r>
+          </a:p>
+          <a:p>
             <a:r>
               <a:rPr lang="en-US" dirty="0" smtClean="0"/>
-              <a:t>Gate: Signal input pin</a:t>
-            </a:r>
-          </a:p>
-          <a:p>
-            <a:pPr lvl="1"/>
-            <a:r>
-              <a:rPr lang="en-US" dirty="0" smtClean="0"/>
-              <a:t>Drain: ‘Positive’ pin</a:t>
-            </a:r>
-          </a:p>
-          <a:p>
-            <a:pPr lvl="1"/>
-            <a:r>
-              <a:rPr lang="en-US" dirty="0" smtClean="0"/>
-              <a:t>Source: ‘Negative’ pin</a:t>
+              <a:t>Using its precise breakdown voltage, it is used as voltage reference.</a:t>
             </a:r>
             <a:endParaRPr lang="en-US" dirty="0"/>
           </a:p>
@@ -4503,478 +4295,7 @@
     </p:spTree>
     <p:extLst>
       <p:ext uri="{BB962C8B-B14F-4D97-AF65-F5344CB8AC3E}">
-        <p14:creationId xmlns:p14="http://schemas.microsoft.com/office/powerpoint/2010/main" val="3317045491"/>
-      </p:ext>
-    </p:extLst>
-  </p:cSld>
-  <p:clrMapOvr>
-    <a:masterClrMapping/>
-  </p:clrMapOvr>
-</p:sld>
-</file>
-
-<file path=ppt/slides/slide7.xml><?xml version="1.0" encoding="utf-8"?>
-<p:sld xmlns:a="http://schemas.openxmlformats.org/drawingml/2006/main" xmlns:r="http://schemas.openxmlformats.org/officeDocument/2006/relationships" xmlns:p="http://schemas.openxmlformats.org/presentationml/2006/main">
-  <p:cSld>
-    <p:spTree>
-      <p:nvGrpSpPr>
-        <p:cNvPr id="1" name=""/>
-        <p:cNvGrpSpPr/>
-        <p:nvPr/>
-      </p:nvGrpSpPr>
-      <p:grpSpPr>
-        <a:xfrm>
-          <a:off x="0" y="0"/>
-          <a:ext cx="0" cy="0"/>
-          <a:chOff x="0" y="0"/>
-          <a:chExt cx="0" cy="0"/>
-        </a:xfrm>
-      </p:grpSpPr>
-      <p:sp>
-        <p:nvSpPr>
-          <p:cNvPr id="2" name="Title 1"/>
-          <p:cNvSpPr>
-            <a:spLocks noGrp="1"/>
-          </p:cNvSpPr>
-          <p:nvPr>
-            <p:ph type="title"/>
-          </p:nvPr>
-        </p:nvSpPr>
-        <p:spPr/>
-        <p:txBody>
-          <a:bodyPr>
-            <a:normAutofit fontScale="90000"/>
-          </a:bodyPr>
-          <a:lstStyle/>
-          <a:p>
-            <a:r>
-              <a:rPr lang="en-US" dirty="0" smtClean="0"/>
-              <a:t>MOSFET Transistor Specifications</a:t>
-            </a:r>
-            <a:endParaRPr lang="en-US" dirty="0"/>
-          </a:p>
-        </p:txBody>
-      </p:sp>
-      <p:sp>
-        <p:nvSpPr>
-          <p:cNvPr id="3" name="Content Placeholder 2"/>
-          <p:cNvSpPr>
-            <a:spLocks noGrp="1"/>
-          </p:cNvSpPr>
-          <p:nvPr>
-            <p:ph idx="1"/>
-          </p:nvPr>
-        </p:nvSpPr>
-        <p:spPr/>
-        <p:txBody>
-          <a:bodyPr>
-            <a:normAutofit fontScale="92500" lnSpcReduction="20000"/>
-          </a:bodyPr>
-          <a:lstStyle/>
-          <a:p>
-            <a:r>
-              <a:rPr lang="en-US" dirty="0" smtClean="0"/>
-              <a:t>V</a:t>
-            </a:r>
-            <a:r>
-              <a:rPr lang="en-US" sz="1200" dirty="0" smtClean="0"/>
-              <a:t>DSS</a:t>
-            </a:r>
-            <a:r>
-              <a:rPr lang="en-US" dirty="0" smtClean="0"/>
-              <a:t> = Drain to Source Voltage</a:t>
-            </a:r>
-          </a:p>
-          <a:p>
-            <a:pPr lvl="1"/>
-            <a:r>
-              <a:rPr lang="en-US" dirty="0" smtClean="0"/>
-              <a:t>Maximum voltage between Drain and Source pin</a:t>
-            </a:r>
-          </a:p>
-          <a:p>
-            <a:r>
-              <a:rPr lang="en-US" dirty="0" smtClean="0"/>
-              <a:t>V</a:t>
-            </a:r>
-            <a:r>
-              <a:rPr lang="en-US" sz="1200" dirty="0" smtClean="0"/>
-              <a:t>DGR</a:t>
-            </a:r>
-            <a:r>
-              <a:rPr lang="en-US" dirty="0" smtClean="0"/>
-              <a:t> = Drain to Gate Voltage</a:t>
-            </a:r>
-          </a:p>
-          <a:p>
-            <a:pPr lvl="1"/>
-            <a:r>
-              <a:rPr lang="en-US" dirty="0" smtClean="0"/>
-              <a:t>Maximum voltage between Drain and Gate pin</a:t>
-            </a:r>
-          </a:p>
-          <a:p>
-            <a:r>
-              <a:rPr lang="en-US" dirty="0" smtClean="0"/>
-              <a:t>V</a:t>
-            </a:r>
-            <a:r>
-              <a:rPr lang="en-US" sz="1200" dirty="0" smtClean="0"/>
-              <a:t>GS</a:t>
-            </a:r>
-            <a:r>
-              <a:rPr lang="en-US" dirty="0" smtClean="0"/>
-              <a:t> = Gate to Source Voltage</a:t>
-            </a:r>
-          </a:p>
-          <a:p>
-            <a:pPr lvl="1"/>
-            <a:r>
-              <a:rPr lang="en-US" dirty="0" smtClean="0"/>
-              <a:t>Maximum voltage between Gate and Source pin</a:t>
-            </a:r>
-          </a:p>
-          <a:p>
-            <a:r>
-              <a:rPr lang="en-US" dirty="0" smtClean="0"/>
-              <a:t>I</a:t>
-            </a:r>
-            <a:r>
-              <a:rPr lang="en-US" sz="1200" dirty="0" smtClean="0"/>
-              <a:t>D</a:t>
-            </a:r>
-            <a:r>
-              <a:rPr lang="en-US" dirty="0" smtClean="0"/>
-              <a:t> = Continuous Drain Current</a:t>
-            </a:r>
-          </a:p>
-          <a:p>
-            <a:pPr lvl="1"/>
-            <a:r>
-              <a:rPr lang="en-US" dirty="0" smtClean="0"/>
-              <a:t>Maximum current Drain pin can hold while current flow continuously</a:t>
-            </a:r>
-          </a:p>
-          <a:p>
-            <a:r>
-              <a:rPr lang="en-US" dirty="0" smtClean="0"/>
-              <a:t>V</a:t>
-            </a:r>
-            <a:r>
-              <a:rPr lang="en-US" sz="1300" dirty="0" smtClean="0"/>
-              <a:t>GS(TH)</a:t>
-            </a:r>
-            <a:r>
-              <a:rPr lang="en-US" dirty="0" smtClean="0"/>
-              <a:t> = Gate Threshold Voltage</a:t>
-            </a:r>
-          </a:p>
-          <a:p>
-            <a:pPr lvl="1"/>
-            <a:r>
-              <a:rPr lang="en-US" dirty="0" smtClean="0"/>
-              <a:t>Minimum voltage required to close between Drain and Source</a:t>
-            </a:r>
-            <a:endParaRPr lang="en-US" dirty="0"/>
-          </a:p>
-        </p:txBody>
-      </p:sp>
-    </p:spTree>
-    <p:extLst>
-      <p:ext uri="{BB962C8B-B14F-4D97-AF65-F5344CB8AC3E}">
-        <p14:creationId xmlns:p14="http://schemas.microsoft.com/office/powerpoint/2010/main" val="449839816"/>
-      </p:ext>
-    </p:extLst>
-  </p:cSld>
-  <p:clrMapOvr>
-    <a:masterClrMapping/>
-  </p:clrMapOvr>
-</p:sld>
-</file>
-
-<file path=ppt/slides/slide8.xml><?xml version="1.0" encoding="utf-8"?>
-<p:sld xmlns:a="http://schemas.openxmlformats.org/drawingml/2006/main" xmlns:r="http://schemas.openxmlformats.org/officeDocument/2006/relationships" xmlns:p="http://schemas.openxmlformats.org/presentationml/2006/main">
-  <p:cSld>
-    <p:spTree>
-      <p:nvGrpSpPr>
-        <p:cNvPr id="1" name=""/>
-        <p:cNvGrpSpPr/>
-        <p:nvPr/>
-      </p:nvGrpSpPr>
-      <p:grpSpPr>
-        <a:xfrm>
-          <a:off x="0" y="0"/>
-          <a:ext cx="0" cy="0"/>
-          <a:chOff x="0" y="0"/>
-          <a:chExt cx="0" cy="0"/>
-        </a:xfrm>
-      </p:grpSpPr>
-      <p:sp>
-        <p:nvSpPr>
-          <p:cNvPr id="2" name="Title 1"/>
-          <p:cNvSpPr>
-            <a:spLocks noGrp="1"/>
-          </p:cNvSpPr>
-          <p:nvPr>
-            <p:ph type="title"/>
-          </p:nvPr>
-        </p:nvSpPr>
-        <p:spPr/>
-        <p:txBody>
-          <a:bodyPr>
-            <a:normAutofit fontScale="90000"/>
-          </a:bodyPr>
-          <a:lstStyle/>
-          <a:p>
-            <a:r>
-              <a:rPr lang="en-US" dirty="0" smtClean="0"/>
-              <a:t>FQP30N06L N-Channel MOSFET</a:t>
-            </a:r>
-            <a:endParaRPr lang="en-US" dirty="0"/>
-          </a:p>
-        </p:txBody>
-      </p:sp>
-      <p:sp>
-        <p:nvSpPr>
-          <p:cNvPr id="3" name="Content Placeholder 2"/>
-          <p:cNvSpPr>
-            <a:spLocks noGrp="1"/>
-          </p:cNvSpPr>
-          <p:nvPr>
-            <p:ph idx="1"/>
-          </p:nvPr>
-        </p:nvSpPr>
-        <p:spPr/>
-        <p:txBody>
-          <a:bodyPr>
-            <a:normAutofit/>
-          </a:bodyPr>
-          <a:lstStyle/>
-          <a:p>
-            <a:r>
-              <a:rPr lang="en-US" dirty="0"/>
-              <a:t>V</a:t>
-            </a:r>
-            <a:r>
-              <a:rPr lang="en-US" sz="1200" dirty="0"/>
-              <a:t>DSS</a:t>
-            </a:r>
-            <a:r>
-              <a:rPr lang="en-US" dirty="0"/>
-              <a:t> = </a:t>
-            </a:r>
-            <a:r>
-              <a:rPr lang="en-US" dirty="0" smtClean="0"/>
-              <a:t>60V</a:t>
-            </a:r>
-          </a:p>
-          <a:p>
-            <a:r>
-              <a:rPr lang="en-US" dirty="0" smtClean="0"/>
-              <a:t>V</a:t>
-            </a:r>
-            <a:r>
-              <a:rPr lang="en-US" sz="1200" dirty="0" smtClean="0"/>
-              <a:t>DGR</a:t>
-            </a:r>
-            <a:r>
-              <a:rPr lang="en-US" dirty="0" smtClean="0"/>
-              <a:t> </a:t>
-            </a:r>
-            <a:r>
-              <a:rPr lang="en-US" dirty="0"/>
-              <a:t>= </a:t>
-            </a:r>
-            <a:r>
-              <a:rPr lang="en-US" dirty="0" smtClean="0"/>
-              <a:t>60V</a:t>
-            </a:r>
-          </a:p>
-          <a:p>
-            <a:r>
-              <a:rPr lang="en-US" dirty="0" smtClean="0"/>
-              <a:t>V</a:t>
-            </a:r>
-            <a:r>
-              <a:rPr lang="en-US" sz="1200" dirty="0" smtClean="0"/>
-              <a:t>GS</a:t>
-            </a:r>
-            <a:r>
-              <a:rPr lang="en-US" dirty="0" smtClean="0"/>
-              <a:t> </a:t>
-            </a:r>
-            <a:r>
-              <a:rPr lang="en-US" dirty="0"/>
-              <a:t>= </a:t>
-            </a:r>
-            <a:r>
-              <a:rPr lang="en-US" dirty="0" smtClean="0"/>
-              <a:t>+10V, -8V</a:t>
-            </a:r>
-          </a:p>
-          <a:p>
-            <a:r>
-              <a:rPr lang="en-US" dirty="0" smtClean="0"/>
-              <a:t>I</a:t>
-            </a:r>
-            <a:r>
-              <a:rPr lang="en-US" sz="1200" dirty="0" smtClean="0"/>
-              <a:t>D</a:t>
-            </a:r>
-            <a:r>
-              <a:rPr lang="en-US" dirty="0" smtClean="0"/>
-              <a:t> </a:t>
-            </a:r>
-            <a:r>
-              <a:rPr lang="en-US" dirty="0"/>
-              <a:t>= </a:t>
-            </a:r>
-            <a:r>
-              <a:rPr lang="en-US" dirty="0" smtClean="0"/>
-              <a:t>30A</a:t>
-            </a:r>
-          </a:p>
-          <a:p>
-            <a:r>
-              <a:rPr lang="en-US" dirty="0" smtClean="0"/>
-              <a:t>V</a:t>
-            </a:r>
-            <a:r>
-              <a:rPr lang="en-US" sz="1300" dirty="0" smtClean="0"/>
-              <a:t>GS(TH)</a:t>
-            </a:r>
-            <a:r>
-              <a:rPr lang="en-US" dirty="0" smtClean="0"/>
-              <a:t> = Min. 1V Max. 2V</a:t>
-            </a:r>
-            <a:endParaRPr lang="en-US" dirty="0"/>
-          </a:p>
-        </p:txBody>
-      </p:sp>
-    </p:spTree>
-    <p:extLst>
-      <p:ext uri="{BB962C8B-B14F-4D97-AF65-F5344CB8AC3E}">
-        <p14:creationId xmlns:p14="http://schemas.microsoft.com/office/powerpoint/2010/main" val="2217806782"/>
-      </p:ext>
-    </p:extLst>
-  </p:cSld>
-  <p:clrMapOvr>
-    <a:masterClrMapping/>
-  </p:clrMapOvr>
-</p:sld>
-</file>
-
-<file path=ppt/slides/slide9.xml><?xml version="1.0" encoding="utf-8"?>
-<p:sld xmlns:a="http://schemas.openxmlformats.org/drawingml/2006/main" xmlns:r="http://schemas.openxmlformats.org/officeDocument/2006/relationships" xmlns:p="http://schemas.openxmlformats.org/presentationml/2006/main">
-  <p:cSld>
-    <p:spTree>
-      <p:nvGrpSpPr>
-        <p:cNvPr id="1" name=""/>
-        <p:cNvGrpSpPr/>
-        <p:nvPr/>
-      </p:nvGrpSpPr>
-      <p:grpSpPr>
-        <a:xfrm>
-          <a:off x="0" y="0"/>
-          <a:ext cx="0" cy="0"/>
-          <a:chOff x="0" y="0"/>
-          <a:chExt cx="0" cy="0"/>
-        </a:xfrm>
-      </p:grpSpPr>
-      <p:sp>
-        <p:nvSpPr>
-          <p:cNvPr id="2" name="Title 1"/>
-          <p:cNvSpPr>
-            <a:spLocks noGrp="1"/>
-          </p:cNvSpPr>
-          <p:nvPr>
-            <p:ph type="title"/>
-          </p:nvPr>
-        </p:nvSpPr>
-        <p:spPr/>
-        <p:txBody>
-          <a:bodyPr/>
-          <a:lstStyle/>
-          <a:p>
-            <a:r>
-              <a:rPr lang="en-US" dirty="0" smtClean="0"/>
-              <a:t>Common Parameters</a:t>
-            </a:r>
-            <a:endParaRPr lang="en-US" dirty="0"/>
-          </a:p>
-        </p:txBody>
-      </p:sp>
-      <p:sp>
-        <p:nvSpPr>
-          <p:cNvPr id="3" name="Content Placeholder 2"/>
-          <p:cNvSpPr>
-            <a:spLocks noGrp="1"/>
-          </p:cNvSpPr>
-          <p:nvPr>
-            <p:ph idx="1"/>
-          </p:nvPr>
-        </p:nvSpPr>
-        <p:spPr/>
-        <p:txBody>
-          <a:bodyPr/>
-          <a:lstStyle/>
-          <a:p>
-            <a:r>
-              <a:rPr lang="en-US" dirty="0" smtClean="0"/>
-              <a:t>Power Dissipation</a:t>
-            </a:r>
-          </a:p>
-          <a:p>
-            <a:pPr lvl="1"/>
-            <a:r>
-              <a:rPr lang="en-US" dirty="0" smtClean="0"/>
-              <a:t>Amount of thermal energy released during operation</a:t>
-            </a:r>
-            <a:endParaRPr lang="en-US" dirty="0"/>
-          </a:p>
-          <a:p>
-            <a:pPr lvl="1"/>
-            <a:r>
-              <a:rPr lang="en-US" dirty="0" smtClean="0"/>
-              <a:t>Hotter they get, less amperage they can carry out</a:t>
-            </a:r>
-          </a:p>
-        </p:txBody>
-      </p:sp>
-      <p:pic>
-        <p:nvPicPr>
-          <p:cNvPr id="4" name="Picture 3"/>
-          <p:cNvPicPr>
-            <a:picLocks noChangeAspect="1"/>
-          </p:cNvPicPr>
-          <p:nvPr/>
-        </p:nvPicPr>
-        <p:blipFill>
-          <a:blip r:embed="rId2">
-            <a:extLst>
-              <a:ext uri="{28A0092B-C50C-407E-A947-70E740481C1C}">
-                <a14:useLocalDpi xmlns:a14="http://schemas.microsoft.com/office/drawing/2010/main" val="0"/>
-              </a:ext>
-            </a:extLst>
-          </a:blip>
-          <a:stretch>
-            <a:fillRect/>
-          </a:stretch>
-        </p:blipFill>
-        <p:spPr>
-          <a:xfrm>
-            <a:off x="3107279" y="3622060"/>
-            <a:ext cx="3386642" cy="2860128"/>
-          </a:xfrm>
-          <a:prstGeom prst="rect">
-            <a:avLst/>
-          </a:prstGeom>
-        </p:spPr>
-      </p:pic>
-    </p:spTree>
-    <p:extLst>
-      <p:ext uri="{BB962C8B-B14F-4D97-AF65-F5344CB8AC3E}">
-        <p14:creationId xmlns:p14="http://schemas.microsoft.com/office/powerpoint/2010/main" val="4111467690"/>
+        <p14:creationId xmlns:p14="http://schemas.microsoft.com/office/powerpoint/2010/main" val="2444124560"/>
       </p:ext>
     </p:extLst>
   </p:cSld>
